--- a/Doremon_Explorer_Hub_using_inmemorywebapi/PPT_Doremon.pptx
+++ b/Doremon_Explorer_Hub_using_inmemorywebapi/PPT_Doremon.pptx
@@ -7,12 +7,9 @@
   <p:sldIdLst>
     <p:sldId id="256" r:id="rId3"/>
     <p:sldId id="258" r:id="rId4"/>
-    <p:sldId id="273" r:id="rId5"/>
-    <p:sldId id="274" r:id="rId6"/>
-    <p:sldId id="275" r:id="rId7"/>
-    <p:sldId id="276" r:id="rId8"/>
-    <p:sldId id="277" r:id="rId9"/>
-    <p:sldId id="278" r:id="rId10"/>
+    <p:sldId id="274" r:id="rId5"/>
+    <p:sldId id="279" r:id="rId6"/>
+    <p:sldId id="278" r:id="rId7"/>
   </p:sldIdLst>
   <p:sldSz cx="12192000" cy="6858000"/>
   <p:notesSz cx="6858000" cy="9144000"/>
@@ -3928,8 +3925,8 @@
         </p:nvSpPr>
         <p:spPr>
           <a:xfrm>
-            <a:off x="0" y="1185545"/>
-            <a:ext cx="11817985" cy="3784600"/>
+            <a:off x="5313680" y="1185545"/>
+            <a:ext cx="6504305" cy="3529965"/>
           </a:xfrm>
           <a:prstGeom prst="rect">
             <a:avLst/>
@@ -3938,7 +3935,7 @@
         </p:spPr>
         <p:txBody>
           <a:bodyPr wrap="square" rtlCol="0" anchor="t">
-            <a:spAutoFit/>
+            <a:noAutofit/>
           </a:bodyPr>
           <a:p>
             <a:pPr algn="just">
@@ -3953,7 +3950,7 @@
                 </a:solidFill>
                 <a:sym typeface="+mn-ea"/>
               </a:rPr>
-              <a:t>"Doraemon Explorer Hub" is an Angular-powered project offering a dynamic exploration of the Doraemon universe. It encompasses three core components: character profiles, showcasing beloved personalities; gadgets section, displaying iconic futuristic tools; and a gallery, housing a collection of nostalgic imagery. Users can immerse themselves in Doraemon's world through interactive interfaces, gaining insights into the characters' traits, exploring the functionalities of gadgets, and reliving memorable moments through the gallery. With a user-friendly design and seamless navigation, this hub provides a comprehensive and enjoyable experience for fans of all ages, serving as a digital gateway to the whimsical realm of Doraemon.</a:t>
+              <a:t>"The 'Pizza Delivery Website' utilizes the MEAN Stack for seamless pizza selection and ordering. It features a robust cart system and an admin dashboard with a monthly revenue calculator. With user-friendly design, it offers potential for user accounts, order tracking, and payment integration, enhancing the overall experience."</a:t>
             </a:r>
             <a:endParaRPr lang="en-IN" altLang="en-US" sz="2000" b="1" dirty="0">
               <a:solidFill>
@@ -3964,6 +3961,32 @@
           </a:p>
         </p:txBody>
       </p:sp>
+      <p:pic>
+        <p:nvPicPr>
+          <p:cNvPr id="100" name="Picture 99"/>
+          <p:cNvPicPr/>
+          <p:nvPr/>
+        </p:nvPicPr>
+        <p:blipFill>
+          <a:blip r:embed="rId1"/>
+          <a:stretch>
+            <a:fillRect/>
+          </a:stretch>
+        </p:blipFill>
+        <p:spPr>
+          <a:xfrm>
+            <a:off x="92075" y="1534160"/>
+            <a:ext cx="5151120" cy="3720465"/>
+          </a:xfrm>
+          <a:prstGeom prst="rect">
+            <a:avLst/>
+          </a:prstGeom>
+          <a:noFill/>
+          <a:ln w="9525">
+            <a:noFill/>
+          </a:ln>
+        </p:spPr>
+      </p:pic>
     </p:spTree>
   </p:cSld>
   <p:clrMapOvr>
@@ -4023,36 +4046,182 @@
           <a:p>
             <a:r>
               <a:rPr lang="en-IN" altLang="en-US" dirty="0"/>
-              <a:t>Project with Data Flow</a:t>
+              <a:t>Authentication</a:t>
             </a:r>
             <a:endParaRPr lang="en-IN" altLang="en-US" dirty="0"/>
           </a:p>
         </p:txBody>
       </p:sp>
-      <p:pic>
-        <p:nvPicPr>
-          <p:cNvPr id="3" name="Picture 2"/>
-          <p:cNvPicPr>
-            <a:picLocks noChangeAspect="1"/>
-          </p:cNvPicPr>
+      <p:sp>
+        <p:nvSpPr>
+          <p:cNvPr id="3" name="Text Box 2"/>
+          <p:cNvSpPr txBox="1"/>
           <p:nvPr/>
-        </p:nvPicPr>
-        <p:blipFill>
-          <a:blip r:embed="rId1"/>
-          <a:stretch>
-            <a:fillRect/>
-          </a:stretch>
-        </p:blipFill>
+        </p:nvSpPr>
         <p:spPr>
           <a:xfrm>
-            <a:off x="0" y="1055370"/>
-            <a:ext cx="12192635" cy="5801995"/>
+            <a:off x="280035" y="1421765"/>
+            <a:ext cx="11709400" cy="4615815"/>
           </a:xfrm>
           <a:prstGeom prst="rect">
             <a:avLst/>
           </a:prstGeom>
+          <a:noFill/>
         </p:spPr>
-      </p:pic>
+        <p:txBody>
+          <a:bodyPr wrap="square" rtlCol="0" anchor="t">
+            <a:spAutoFit/>
+          </a:bodyPr>
+          <a:p>
+            <a:r>
+              <a:rPr lang="en-IN" altLang="en-US" dirty="0">
+                <a:sym typeface="+mn-ea"/>
+              </a:rPr>
+              <a:t>Register - User has to create a account on our portal.</a:t>
+            </a:r>
+            <a:endParaRPr lang="en-IN" altLang="en-US" dirty="0">
+              <a:sym typeface="+mn-ea"/>
+            </a:endParaRPr>
+          </a:p>
+          <a:p>
+            <a:endParaRPr lang="en-IN" altLang="en-US" dirty="0">
+              <a:sym typeface="+mn-ea"/>
+            </a:endParaRPr>
+          </a:p>
+          <a:p>
+            <a:r>
+              <a:rPr lang="en-IN" altLang="en-US" dirty="0">
+                <a:sym typeface="+mn-ea"/>
+              </a:rPr>
+              <a:t>Login - User has to login for ordering the Pizza </a:t>
+            </a:r>
+            <a:endParaRPr lang="en-IN" altLang="en-US" dirty="0">
+              <a:sym typeface="+mn-ea"/>
+            </a:endParaRPr>
+          </a:p>
+          <a:p>
+            <a:endParaRPr lang="en-IN" altLang="en-US" dirty="0">
+              <a:sym typeface="+mn-ea"/>
+            </a:endParaRPr>
+          </a:p>
+          <a:p>
+            <a:r>
+              <a:rPr lang="en-IN" altLang="en-US" dirty="0">
+                <a:sym typeface="+mn-ea"/>
+              </a:rPr>
+              <a:t>Logout - User can logout from his/her account whenever it is not in use.</a:t>
+            </a:r>
+            <a:endParaRPr lang="en-IN" altLang="en-US" dirty="0">
+              <a:sym typeface="+mn-ea"/>
+            </a:endParaRPr>
+          </a:p>
+          <a:p>
+            <a:endParaRPr lang="en-IN" altLang="en-US" dirty="0">
+              <a:sym typeface="+mn-ea"/>
+            </a:endParaRPr>
+          </a:p>
+          <a:p>
+            <a:endParaRPr lang="en-IN" altLang="en-US" dirty="0">
+              <a:sym typeface="+mn-ea"/>
+            </a:endParaRPr>
+          </a:p>
+          <a:p>
+            <a:r>
+              <a:rPr lang="en-IN" altLang="en-US" sz="2400" b="1" dirty="0">
+                <a:sym typeface="+mn-ea"/>
+              </a:rPr>
+              <a:t>Authorization - </a:t>
+            </a:r>
+            <a:endParaRPr lang="en-IN" altLang="en-US" sz="2400" b="1" dirty="0">
+              <a:sym typeface="+mn-ea"/>
+            </a:endParaRPr>
+          </a:p>
+          <a:p>
+            <a:endParaRPr lang="en-IN" altLang="en-US" dirty="0">
+              <a:sym typeface="+mn-ea"/>
+            </a:endParaRPr>
+          </a:p>
+          <a:p>
+            <a:r>
+              <a:rPr lang="en-IN" altLang="en-US" dirty="0">
+                <a:sym typeface="+mn-ea"/>
+              </a:rPr>
+              <a:t>Some functionalities are only be performed by admin like </a:t>
+            </a:r>
+            <a:endParaRPr lang="en-IN" altLang="en-US" dirty="0">
+              <a:sym typeface="+mn-ea"/>
+            </a:endParaRPr>
+          </a:p>
+          <a:p>
+            <a:endParaRPr lang="en-IN" altLang="en-US" dirty="0">
+              <a:sym typeface="+mn-ea"/>
+            </a:endParaRPr>
+          </a:p>
+          <a:p>
+            <a:pPr marL="285750" indent="-285750">
+              <a:buFont typeface="Arial" panose="020B0604020202020204" pitchFamily="34" charset="0"/>
+              <a:buChar char="•"/>
+            </a:pPr>
+            <a:r>
+              <a:rPr lang="en-IN" altLang="en-US" dirty="0">
+                <a:sym typeface="+mn-ea"/>
+              </a:rPr>
+              <a:t>Adding item </a:t>
+            </a:r>
+            <a:endParaRPr lang="en-IN" altLang="en-US" dirty="0">
+              <a:sym typeface="+mn-ea"/>
+            </a:endParaRPr>
+          </a:p>
+          <a:p>
+            <a:pPr marL="285750" indent="-285750">
+              <a:buFont typeface="Arial" panose="020B0604020202020204" pitchFamily="34" charset="0"/>
+              <a:buChar char="•"/>
+            </a:pPr>
+            <a:endParaRPr lang="en-IN" altLang="en-US" dirty="0">
+              <a:sym typeface="+mn-ea"/>
+            </a:endParaRPr>
+          </a:p>
+          <a:p>
+            <a:pPr marL="285750" indent="-285750">
+              <a:buFont typeface="Arial" panose="020B0604020202020204" pitchFamily="34" charset="0"/>
+              <a:buChar char="•"/>
+            </a:pPr>
+            <a:r>
+              <a:rPr lang="en-IN" altLang="en-US" dirty="0">
+                <a:sym typeface="+mn-ea"/>
+              </a:rPr>
+              <a:t>Updating Item</a:t>
+            </a:r>
+            <a:endParaRPr lang="en-IN" altLang="en-US" dirty="0">
+              <a:sym typeface="+mn-ea"/>
+            </a:endParaRPr>
+          </a:p>
+          <a:p>
+            <a:pPr marL="285750" indent="-285750">
+              <a:buFont typeface="Arial" panose="020B0604020202020204" pitchFamily="34" charset="0"/>
+              <a:buChar char="•"/>
+            </a:pPr>
+            <a:endParaRPr lang="en-IN" altLang="en-US" dirty="0">
+              <a:sym typeface="+mn-ea"/>
+            </a:endParaRPr>
+          </a:p>
+          <a:p>
+            <a:pPr marL="285750" indent="-285750">
+              <a:buFont typeface="Arial" panose="020B0604020202020204" pitchFamily="34" charset="0"/>
+              <a:buChar char="•"/>
+            </a:pPr>
+            <a:r>
+              <a:rPr lang="en-IN" altLang="en-US" dirty="0">
+                <a:sym typeface="+mn-ea"/>
+              </a:rPr>
+              <a:t>Deleting item</a:t>
+            </a:r>
+            <a:endParaRPr lang="en-IN" altLang="en-US" dirty="0">
+              <a:sym typeface="+mn-ea"/>
+            </a:endParaRPr>
+          </a:p>
+        </p:txBody>
+      </p:sp>
     </p:spTree>
   </p:cSld>
   <p:clrMapOvr>
@@ -4112,7 +4281,7 @@
           <a:p>
             <a:r>
               <a:rPr lang="en-IN" altLang="en-US" dirty="0"/>
-              <a:t>Structure with Functionalities</a:t>
+              <a:t>Functionalities</a:t>
             </a:r>
             <a:endParaRPr lang="en-IN" altLang="en-US" dirty="0"/>
           </a:p>
@@ -4120,14 +4289,14 @@
       </p:sp>
       <p:sp>
         <p:nvSpPr>
-          <p:cNvPr id="5" name="Text Box 4"/>
+          <p:cNvPr id="3" name="Text Box 2"/>
           <p:cNvSpPr txBox="1"/>
           <p:nvPr/>
         </p:nvSpPr>
         <p:spPr>
           <a:xfrm>
-            <a:off x="11430" y="868045"/>
-            <a:ext cx="11817985" cy="7477760"/>
+            <a:off x="241300" y="1350645"/>
+            <a:ext cx="11709400" cy="3692525"/>
           </a:xfrm>
           <a:prstGeom prst="rect">
             <a:avLst/>
@@ -4139,427 +4308,131 @@
             <a:spAutoFit/>
           </a:bodyPr>
           <a:p>
-            <a:pPr algn="just">
-              <a:lnSpc>
-                <a:spcPct val="150000"/>
-              </a:lnSpc>
+            <a:pPr indent="0">
+              <a:buFont typeface="Arial" panose="020B0604020202020204" pitchFamily="34" charset="0"/>
+              <a:buNone/>
             </a:pPr>
             <a:r>
-              <a:rPr lang="en-IN" altLang="en-US" sz="2000" b="1" dirty="0">
-                <a:solidFill>
-                  <a:srgbClr val="002060"/>
-                </a:solidFill>
+              <a:rPr lang="en-IN" altLang="en-US" dirty="0">
                 <a:sym typeface="+mn-ea"/>
               </a:rPr>
-              <a:t>Components - </a:t>
-            </a:r>
-            <a:endParaRPr lang="en-IN" altLang="en-US" sz="2000" b="1" dirty="0">
-              <a:solidFill>
-                <a:srgbClr val="002060"/>
-              </a:solidFill>
+              <a:t>CRUD Operations are applied on - </a:t>
+            </a:r>
+            <a:endParaRPr lang="en-IN" altLang="en-US" dirty="0">
               <a:sym typeface="+mn-ea"/>
             </a:endParaRPr>
           </a:p>
           <a:p>
-            <a:pPr marL="342900" indent="-342900" algn="just">
-              <a:lnSpc>
-                <a:spcPct val="150000"/>
-              </a:lnSpc>
+            <a:pPr indent="0">
+              <a:buFont typeface="Arial" panose="020B0604020202020204" pitchFamily="34" charset="0"/>
+              <a:buNone/>
+            </a:pPr>
+            <a:endParaRPr lang="en-IN" altLang="en-US" dirty="0">
+              <a:sym typeface="+mn-ea"/>
+            </a:endParaRPr>
+          </a:p>
+          <a:p>
+            <a:pPr marL="285750" indent="-285750">
               <a:buFont typeface="Arial" panose="020B0604020202020204" pitchFamily="34" charset="0"/>
               <a:buChar char="•"/>
             </a:pPr>
-            <a:r>
-              <a:rPr lang="en-IN" altLang="en-US" sz="2000" b="1" dirty="0">
-                <a:solidFill>
-                  <a:srgbClr val="002060"/>
-                </a:solidFill>
-                <a:sym typeface="+mn-ea"/>
-              </a:rPr>
-              <a:t>Character - Component</a:t>
-            </a:r>
-            <a:r>
-              <a:rPr lang="en-IN" altLang="en-US" sz="2000" b="1" dirty="0">
-                <a:solidFill>
-                  <a:srgbClr val="FF0000"/>
-                </a:solidFill>
-                <a:sym typeface="+mn-ea"/>
-              </a:rPr>
-              <a:t> - Add, Delete and Search functionalities are present in this componet.</a:t>
-            </a:r>
-            <a:endParaRPr lang="en-IN" altLang="en-US" sz="2000" b="1" dirty="0">
-              <a:solidFill>
-                <a:srgbClr val="FF0000"/>
-              </a:solidFill>
+            <a:endParaRPr lang="en-IN" altLang="en-US" dirty="0">
               <a:sym typeface="+mn-ea"/>
             </a:endParaRPr>
           </a:p>
           <a:p>
-            <a:pPr marL="342900" indent="-342900" algn="just">
-              <a:lnSpc>
-                <a:spcPct val="150000"/>
-              </a:lnSpc>
+            <a:pPr marL="285750" indent="-285750">
               <a:buFont typeface="Arial" panose="020B0604020202020204" pitchFamily="34" charset="0"/>
               <a:buChar char="•"/>
             </a:pPr>
             <a:r>
-              <a:rPr lang="en-IN" altLang="en-US" sz="2000" b="1" dirty="0">
-                <a:solidFill>
-                  <a:srgbClr val="002060"/>
-                </a:solidFill>
+              <a:rPr lang="en-IN" altLang="en-US" dirty="0">
                 <a:sym typeface="+mn-ea"/>
               </a:rPr>
-              <a:t>Character - detail Component</a:t>
-            </a:r>
-            <a:r>
-              <a:rPr lang="en-IN" altLang="en-US" sz="2000" b="1" dirty="0">
-                <a:solidFill>
-                  <a:srgbClr val="FF0000"/>
-                </a:solidFill>
-                <a:sym typeface="+mn-ea"/>
-              </a:rPr>
-              <a:t> - Update functionality is present in this component.</a:t>
-            </a:r>
-            <a:endParaRPr lang="en-IN" altLang="en-US" sz="2000" b="1" dirty="0">
-              <a:solidFill>
-                <a:srgbClr val="FF0000"/>
-              </a:solidFill>
+              <a:t>Users - It contains email, password and role.</a:t>
+            </a:r>
+            <a:endParaRPr lang="en-IN" altLang="en-US" dirty="0">
               <a:sym typeface="+mn-ea"/>
             </a:endParaRPr>
           </a:p>
           <a:p>
-            <a:pPr marL="342900" indent="-342900" algn="just">
-              <a:lnSpc>
-                <a:spcPct val="150000"/>
-              </a:lnSpc>
+            <a:pPr marL="285750" indent="-285750">
               <a:buFont typeface="Arial" panose="020B0604020202020204" pitchFamily="34" charset="0"/>
               <a:buChar char="•"/>
             </a:pPr>
-            <a:r>
-              <a:rPr lang="en-IN" altLang="en-US" sz="2000" b="1" dirty="0">
-                <a:solidFill>
-                  <a:srgbClr val="002060"/>
-                </a:solidFill>
-                <a:sym typeface="+mn-ea"/>
-              </a:rPr>
-              <a:t>Gadget - Component</a:t>
-            </a:r>
-            <a:r>
-              <a:rPr lang="en-IN" altLang="en-US" sz="2000" b="1" dirty="0">
-                <a:solidFill>
-                  <a:srgbClr val="FF0000"/>
-                </a:solidFill>
-                <a:sym typeface="+mn-ea"/>
-              </a:rPr>
-              <a:t> - Add, Delete and Search functionalities are present in this componet.</a:t>
-            </a:r>
-            <a:endParaRPr lang="en-IN" altLang="en-US" sz="2000" b="1" dirty="0">
-              <a:solidFill>
-                <a:srgbClr val="FF0000"/>
-              </a:solidFill>
+            <a:endParaRPr lang="en-IN" altLang="en-US" dirty="0">
               <a:sym typeface="+mn-ea"/>
             </a:endParaRPr>
           </a:p>
           <a:p>
-            <a:pPr marL="342900" indent="-342900" algn="just">
-              <a:lnSpc>
-                <a:spcPct val="150000"/>
-              </a:lnSpc>
+            <a:pPr marL="285750" indent="-285750">
               <a:buFont typeface="Arial" panose="020B0604020202020204" pitchFamily="34" charset="0"/>
               <a:buChar char="•"/>
             </a:pPr>
-            <a:r>
-              <a:rPr lang="en-IN" altLang="en-US" sz="2000" b="1" dirty="0">
-                <a:solidFill>
-                  <a:srgbClr val="002060"/>
-                </a:solidFill>
-                <a:sym typeface="+mn-ea"/>
-              </a:rPr>
-              <a:t>Gadget - detail Component</a:t>
-            </a:r>
-            <a:r>
-              <a:rPr lang="en-IN" altLang="en-US" sz="2000" b="1" dirty="0">
-                <a:solidFill>
-                  <a:srgbClr val="FF0000"/>
-                </a:solidFill>
-                <a:sym typeface="+mn-ea"/>
-              </a:rPr>
-              <a:t> - Update functionality is present in this component.</a:t>
-            </a:r>
-            <a:endParaRPr lang="en-IN" altLang="en-US" sz="2000" b="1" dirty="0">
-              <a:solidFill>
-                <a:srgbClr val="FF0000"/>
-              </a:solidFill>
+            <a:endParaRPr lang="en-IN" altLang="en-US" dirty="0">
               <a:sym typeface="+mn-ea"/>
             </a:endParaRPr>
           </a:p>
           <a:p>
-            <a:pPr marL="342900" indent="-342900" algn="just">
-              <a:lnSpc>
-                <a:spcPct val="150000"/>
-              </a:lnSpc>
+            <a:pPr marL="285750" indent="-285750">
               <a:buFont typeface="Arial" panose="020B0604020202020204" pitchFamily="34" charset="0"/>
               <a:buChar char="•"/>
             </a:pPr>
             <a:r>
-              <a:rPr lang="en-IN" altLang="en-US" sz="2000" b="1" dirty="0">
-                <a:solidFill>
-                  <a:srgbClr val="002060"/>
-                </a:solidFill>
+              <a:rPr lang="en-IN" altLang="en-US" dirty="0">
                 <a:sym typeface="+mn-ea"/>
               </a:rPr>
-              <a:t>Gallery - Componet</a:t>
-            </a:r>
-            <a:endParaRPr lang="en-IN" altLang="en-US" sz="2000" b="1" dirty="0">
-              <a:solidFill>
-                <a:srgbClr val="002060"/>
-              </a:solidFill>
+              <a:t>Items - It contains particular item details like price and category.</a:t>
+            </a:r>
+            <a:endParaRPr lang="en-IN" altLang="en-US" dirty="0">
               <a:sym typeface="+mn-ea"/>
             </a:endParaRPr>
           </a:p>
           <a:p>
-            <a:pPr marL="342900" indent="-342900" algn="just">
-              <a:lnSpc>
-                <a:spcPct val="150000"/>
-              </a:lnSpc>
+            <a:pPr marL="285750" indent="-285750">
               <a:buFont typeface="Arial" panose="020B0604020202020204" pitchFamily="34" charset="0"/>
               <a:buChar char="•"/>
             </a:pPr>
-            <a:r>
-              <a:rPr lang="en-IN" altLang="en-US" sz="2000" b="1" dirty="0">
-                <a:solidFill>
-                  <a:srgbClr val="002060"/>
-                </a:solidFill>
-                <a:sym typeface="+mn-ea"/>
-              </a:rPr>
-              <a:t>Character-Search Component</a:t>
-            </a:r>
-            <a:endParaRPr lang="en-IN" altLang="en-US" sz="2000" b="1" dirty="0">
-              <a:solidFill>
-                <a:srgbClr val="002060"/>
-              </a:solidFill>
+            <a:endParaRPr lang="en-IN" altLang="en-US" dirty="0">
               <a:sym typeface="+mn-ea"/>
             </a:endParaRPr>
           </a:p>
           <a:p>
-            <a:pPr marL="342900" indent="-342900" algn="just">
-              <a:lnSpc>
-                <a:spcPct val="150000"/>
-              </a:lnSpc>
+            <a:pPr marL="285750" indent="-285750">
               <a:buFont typeface="Arial" panose="020B0604020202020204" pitchFamily="34" charset="0"/>
               <a:buChar char="•"/>
             </a:pPr>
-            <a:r>
-              <a:rPr lang="en-IN" altLang="en-US" sz="2000" b="1" dirty="0">
-                <a:solidFill>
-                  <a:srgbClr val="002060"/>
-                </a:solidFill>
-                <a:sym typeface="+mn-ea"/>
-              </a:rPr>
-              <a:t>Gadget - Search Component</a:t>
-            </a:r>
-            <a:endParaRPr lang="en-IN" altLang="en-US" sz="2000" b="1" dirty="0">
-              <a:solidFill>
-                <a:srgbClr val="002060"/>
-              </a:solidFill>
+            <a:endParaRPr lang="en-IN" altLang="en-US" dirty="0">
               <a:sym typeface="+mn-ea"/>
             </a:endParaRPr>
           </a:p>
           <a:p>
-            <a:pPr indent="0" algn="just">
-              <a:lnSpc>
-                <a:spcPct val="150000"/>
-              </a:lnSpc>
-              <a:buFont typeface="Arial" panose="020B0604020202020204" pitchFamily="34" charset="0"/>
-              <a:buNone/>
-            </a:pPr>
-            <a:r>
-              <a:rPr lang="en-IN" altLang="en-US" sz="2000" b="1" dirty="0">
-                <a:solidFill>
-                  <a:srgbClr val="002060"/>
-                </a:solidFill>
-                <a:sym typeface="+mn-ea"/>
-              </a:rPr>
-              <a:t>Services - </a:t>
-            </a:r>
-            <a:endParaRPr lang="en-IN" altLang="en-US" sz="2000" b="1" dirty="0">
-              <a:solidFill>
-                <a:srgbClr val="002060"/>
-              </a:solidFill>
-              <a:sym typeface="+mn-ea"/>
-            </a:endParaRPr>
-          </a:p>
-          <a:p>
-            <a:pPr marL="342900" indent="-342900" algn="just">
-              <a:lnSpc>
-                <a:spcPct val="150000"/>
-              </a:lnSpc>
+            <a:pPr marL="285750" indent="-285750">
               <a:buFont typeface="Arial" panose="020B0604020202020204" pitchFamily="34" charset="0"/>
               <a:buChar char="•"/>
             </a:pPr>
             <a:r>
-              <a:rPr lang="en-IN" altLang="en-US" sz="2000" b="1" dirty="0">
-                <a:solidFill>
-                  <a:srgbClr val="002060"/>
-                </a:solidFill>
+              <a:rPr lang="en-IN" altLang="en-US" dirty="0">
                 <a:sym typeface="+mn-ea"/>
               </a:rPr>
-              <a:t>InMemoryDataService (InMemoryWebApi)</a:t>
-            </a:r>
-            <a:r>
-              <a:rPr lang="en-IN" altLang="en-US" sz="2000" b="1" dirty="0">
-                <a:solidFill>
-                  <a:srgbClr val="FF0000"/>
-                </a:solidFill>
-                <a:sym typeface="+mn-ea"/>
-              </a:rPr>
-              <a:t> - Server</a:t>
-            </a:r>
-            <a:endParaRPr lang="en-IN" altLang="en-US" sz="2000" b="1" dirty="0">
-              <a:solidFill>
-                <a:srgbClr val="FF0000"/>
-              </a:solidFill>
+              <a:t>Orders - It contains the cart system like number of pizzas or type of pizzas</a:t>
+            </a:r>
+            <a:endParaRPr lang="en-IN" altLang="en-US" dirty="0">
               <a:sym typeface="+mn-ea"/>
             </a:endParaRPr>
           </a:p>
           <a:p>
-            <a:pPr marL="342900" indent="-342900" algn="just">
-              <a:lnSpc>
-                <a:spcPct val="150000"/>
-              </a:lnSpc>
-              <a:buFont typeface="Arial" panose="020B0604020202020204" pitchFamily="34" charset="0"/>
-              <a:buChar char="•"/>
-            </a:pPr>
-            <a:r>
-              <a:rPr lang="en-IN" altLang="en-US" sz="2000" b="1" dirty="0">
-                <a:solidFill>
-                  <a:srgbClr val="002060"/>
-                </a:solidFill>
-                <a:sym typeface="+mn-ea"/>
-              </a:rPr>
-              <a:t>Character Service</a:t>
-            </a:r>
-            <a:r>
-              <a:rPr lang="en-IN" altLang="en-US" sz="2000" b="1" dirty="0">
-                <a:solidFill>
-                  <a:srgbClr val="FF0000"/>
-                </a:solidFill>
-                <a:sym typeface="+mn-ea"/>
-              </a:rPr>
-              <a:t> - Applying methods for character component to make request to the server</a:t>
-            </a:r>
-            <a:endParaRPr lang="en-IN" altLang="en-US" sz="2000" b="1" dirty="0">
-              <a:solidFill>
-                <a:srgbClr val="FF0000"/>
-              </a:solidFill>
+            <a:endParaRPr lang="en-IN" altLang="en-US" dirty="0">
               <a:sym typeface="+mn-ea"/>
             </a:endParaRPr>
           </a:p>
           <a:p>
-            <a:pPr marL="342900" indent="-342900" algn="just">
-              <a:lnSpc>
-                <a:spcPct val="150000"/>
-              </a:lnSpc>
-              <a:buFont typeface="Arial" panose="020B0604020202020204" pitchFamily="34" charset="0"/>
-              <a:buChar char="•"/>
-            </a:pPr>
-            <a:r>
-              <a:rPr lang="en-IN" altLang="en-US" sz="2000" b="1" dirty="0">
-                <a:solidFill>
-                  <a:srgbClr val="002060"/>
-                </a:solidFill>
-                <a:sym typeface="+mn-ea"/>
-              </a:rPr>
-              <a:t>Gadget Service</a:t>
-            </a:r>
-            <a:r>
-              <a:rPr lang="en-IN" altLang="en-US" sz="2000" b="1" dirty="0">
-                <a:solidFill>
-                  <a:srgbClr val="FF0000"/>
-                </a:solidFill>
-                <a:sym typeface="+mn-ea"/>
-              </a:rPr>
-              <a:t> - Applying methods for gadget component to make request to the server</a:t>
-            </a:r>
-            <a:endParaRPr lang="en-IN" altLang="en-US" sz="2000" b="1" dirty="0">
-              <a:solidFill>
-                <a:srgbClr val="FF0000"/>
-              </a:solidFill>
+            <a:endParaRPr lang="en-IN" altLang="en-US" dirty="0">
               <a:sym typeface="+mn-ea"/>
             </a:endParaRPr>
           </a:p>
           <a:p>
-            <a:pPr marL="342900" indent="-342900" algn="just">
-              <a:lnSpc>
-                <a:spcPct val="150000"/>
-              </a:lnSpc>
-              <a:buFont typeface="Arial" panose="020B0604020202020204" pitchFamily="34" charset="0"/>
-              <a:buChar char="•"/>
-            </a:pPr>
-            <a:r>
-              <a:rPr lang="en-IN" altLang="en-US" sz="2000" b="1" dirty="0">
-                <a:solidFill>
-                  <a:srgbClr val="002060"/>
-                </a:solidFill>
-                <a:sym typeface="+mn-ea"/>
-              </a:rPr>
-              <a:t>Gallery Service</a:t>
-            </a:r>
-            <a:r>
-              <a:rPr lang="en-IN" altLang="en-US" sz="2000" b="1" dirty="0">
-                <a:solidFill>
-                  <a:srgbClr val="FF0000"/>
-                </a:solidFill>
-                <a:sym typeface="+mn-ea"/>
-              </a:rPr>
-              <a:t> - Applying methods for gallery component to make request to the server</a:t>
-            </a:r>
-            <a:endParaRPr lang="en-IN" altLang="en-US" sz="2000" b="1" dirty="0">
-              <a:solidFill>
-                <a:srgbClr val="FF0000"/>
-              </a:solidFill>
-              <a:sym typeface="+mn-ea"/>
-            </a:endParaRPr>
-          </a:p>
-          <a:p>
-            <a:pPr marL="342900" indent="-342900" algn="just">
-              <a:lnSpc>
-                <a:spcPct val="150000"/>
-              </a:lnSpc>
-              <a:buFont typeface="Arial" panose="020B0604020202020204" pitchFamily="34" charset="0"/>
-              <a:buChar char="•"/>
-            </a:pPr>
-            <a:endParaRPr lang="en-IN" altLang="en-US" sz="2000" b="1" dirty="0">
-              <a:solidFill>
-                <a:srgbClr val="FF0000"/>
-              </a:solidFill>
-              <a:sym typeface="+mn-ea"/>
-            </a:endParaRPr>
-          </a:p>
-          <a:p>
-            <a:pPr marL="342900" indent="-342900" algn="just">
-              <a:lnSpc>
-                <a:spcPct val="150000"/>
-              </a:lnSpc>
-              <a:buFont typeface="Arial" panose="020B0604020202020204" pitchFamily="34" charset="0"/>
-              <a:buChar char="•"/>
-            </a:pPr>
-            <a:endParaRPr lang="en-IN" altLang="en-US" sz="2000" b="1" dirty="0">
-              <a:solidFill>
-                <a:srgbClr val="FF0000"/>
-              </a:solidFill>
-              <a:sym typeface="+mn-ea"/>
-            </a:endParaRPr>
-          </a:p>
-          <a:p>
-            <a:pPr algn="just">
-              <a:lnSpc>
-                <a:spcPct val="150000"/>
-              </a:lnSpc>
-            </a:pPr>
-            <a:endParaRPr lang="en-IN" altLang="en-US" sz="2000" b="1" dirty="0">
-              <a:solidFill>
-                <a:srgbClr val="FF0000"/>
-              </a:solidFill>
+            <a:endParaRPr lang="en-IN" altLang="en-US" dirty="0">
               <a:sym typeface="+mn-ea"/>
             </a:endParaRPr>
           </a:p>
@@ -4586,667 +4459,6 @@
 </file>
 
 <file path=ppt/slides/slide5.xml><?xml version="1.0" encoding="utf-8"?>
-<p:sld xmlns:a="http://schemas.openxmlformats.org/drawingml/2006/main" xmlns:r="http://schemas.openxmlformats.org/officeDocument/2006/relationships" xmlns:p="http://schemas.openxmlformats.org/presentationml/2006/main">
-  <p:cSld>
-    <p:spTree>
-      <p:nvGrpSpPr>
-        <p:cNvPr id="1" name=""/>
-        <p:cNvGrpSpPr/>
-        <p:nvPr/>
-      </p:nvGrpSpPr>
-      <p:grpSpPr>
-        <a:xfrm>
-          <a:off x="0" y="0"/>
-          <a:ext cx="0" cy="0"/>
-          <a:chOff x="0" y="0"/>
-          <a:chExt cx="0" cy="0"/>
-        </a:xfrm>
-      </p:grpSpPr>
-      <p:sp>
-        <p:nvSpPr>
-          <p:cNvPr id="2" name="Title 1"/>
-          <p:cNvSpPr>
-            <a:spLocks noGrp="1"/>
-          </p:cNvSpPr>
-          <p:nvPr>
-            <p:ph type="ctrTitle"/>
-          </p:nvPr>
-        </p:nvSpPr>
-        <p:spPr>
-          <a:xfrm>
-            <a:off x="738293" y="-119697"/>
-            <a:ext cx="10363200" cy="1470025"/>
-          </a:xfrm>
-        </p:spPr>
-        <p:txBody>
-          <a:bodyPr>
-            <a:scene3d>
-              <a:camera prst="orthographicFront"/>
-              <a:lightRig rig="threePt" dir="t"/>
-            </a:scene3d>
-          </a:bodyPr>
-          <a:lstStyle/>
-          <a:p>
-            <a:r>
-              <a:rPr lang="en-IN" altLang="en-US" b="1" dirty="0">
-                <a:solidFill>
-                  <a:schemeClr val="tx1"/>
-                </a:solidFill>
-                <a:effectLst>
-                  <a:outerShdw blurRad="38100" dist="19050" dir="2700000" algn="tl" rotWithShape="0">
-                    <a:schemeClr val="dk1">
-                      <a:alpha val="40000"/>
-                    </a:schemeClr>
-                  </a:outerShdw>
-                </a:effectLst>
-              </a:rPr>
-              <a:t>Output</a:t>
-            </a:r>
-            <a:endParaRPr lang="en-IN" altLang="en-US" b="1" dirty="0">
-              <a:solidFill>
-                <a:schemeClr val="tx1"/>
-              </a:solidFill>
-              <a:effectLst>
-                <a:outerShdw blurRad="38100" dist="19050" dir="2700000" algn="tl" rotWithShape="0">
-                  <a:schemeClr val="dk1">
-                    <a:alpha val="40000"/>
-                  </a:schemeClr>
-                </a:outerShdw>
-              </a:effectLst>
-            </a:endParaRPr>
-          </a:p>
-        </p:txBody>
-      </p:sp>
-      <p:sp>
-        <p:nvSpPr>
-          <p:cNvPr id="7" name="Text Box 6"/>
-          <p:cNvSpPr txBox="1"/>
-          <p:nvPr/>
-        </p:nvSpPr>
-        <p:spPr>
-          <a:xfrm>
-            <a:off x="1009015" y="5882005"/>
-            <a:ext cx="3672205" cy="368300"/>
-          </a:xfrm>
-          <a:prstGeom prst="rect">
-            <a:avLst/>
-          </a:prstGeom>
-          <a:noFill/>
-        </p:spPr>
-        <p:txBody>
-          <a:bodyPr wrap="square" rtlCol="0" anchor="t">
-            <a:spAutoFit/>
-          </a:bodyPr>
-          <a:p>
-            <a:r>
-              <a:rPr lang="en-IN" altLang="en-US" b="1" dirty="0">
-                <a:solidFill>
-                  <a:srgbClr val="FF0000"/>
-                </a:solidFill>
-                <a:effectLst>
-                  <a:outerShdw blurRad="38100" dist="25400" dir="5400000" algn="ctr" rotWithShape="0">
-                    <a:srgbClr val="6E747A">
-                      <a:alpha val="43000"/>
-                    </a:srgbClr>
-                  </a:outerShdw>
-                </a:effectLst>
-                <a:sym typeface="+mn-ea"/>
-              </a:rPr>
-              <a:t>Chararcter Component</a:t>
-            </a:r>
-            <a:endParaRPr lang="en-IN" altLang="en-US" b="1" dirty="0">
-              <a:solidFill>
-                <a:srgbClr val="FF0000"/>
-              </a:solidFill>
-              <a:effectLst>
-                <a:outerShdw blurRad="38100" dist="25400" dir="5400000" algn="ctr" rotWithShape="0">
-                  <a:srgbClr val="6E747A">
-                    <a:alpha val="43000"/>
-                  </a:srgbClr>
-                </a:outerShdw>
-              </a:effectLst>
-              <a:sym typeface="+mn-ea"/>
-            </a:endParaRPr>
-          </a:p>
-        </p:txBody>
-      </p:sp>
-      <p:sp>
-        <p:nvSpPr>
-          <p:cNvPr id="8" name="Text Box 7"/>
-          <p:cNvSpPr txBox="1"/>
-          <p:nvPr/>
-        </p:nvSpPr>
-        <p:spPr>
-          <a:xfrm>
-            <a:off x="6887845" y="5882005"/>
-            <a:ext cx="6096000" cy="368300"/>
-          </a:xfrm>
-          <a:prstGeom prst="rect">
-            <a:avLst/>
-          </a:prstGeom>
-          <a:noFill/>
-        </p:spPr>
-        <p:txBody>
-          <a:bodyPr wrap="square" rtlCol="0" anchor="t">
-            <a:spAutoFit/>
-          </a:bodyPr>
-          <a:p>
-            <a:r>
-              <a:rPr lang="en-IN" altLang="en-US" b="1" dirty="0">
-                <a:solidFill>
-                  <a:srgbClr val="FF0000"/>
-                </a:solidFill>
-                <a:effectLst>
-                  <a:outerShdw blurRad="38100" dist="19050" dir="2700000" algn="tl" rotWithShape="0">
-                    <a:schemeClr val="dk1">
-                      <a:alpha val="40000"/>
-                    </a:schemeClr>
-                  </a:outerShdw>
-                </a:effectLst>
-                <a:sym typeface="+mn-ea"/>
-              </a:rPr>
-              <a:t>Characters-detail Component</a:t>
-            </a:r>
-            <a:endParaRPr lang="en-IN" altLang="en-US" b="1" dirty="0">
-              <a:solidFill>
-                <a:srgbClr val="FF0000"/>
-              </a:solidFill>
-              <a:effectLst>
-                <a:outerShdw blurRad="38100" dist="19050" dir="2700000" algn="tl" rotWithShape="0">
-                  <a:schemeClr val="dk1">
-                    <a:alpha val="40000"/>
-                  </a:schemeClr>
-                </a:outerShdw>
-              </a:effectLst>
-              <a:sym typeface="+mn-ea"/>
-            </a:endParaRPr>
-          </a:p>
-        </p:txBody>
-      </p:sp>
-      <p:pic>
-        <p:nvPicPr>
-          <p:cNvPr id="9" name="Picture 8"/>
-          <p:cNvPicPr>
-            <a:picLocks noChangeAspect="1"/>
-          </p:cNvPicPr>
-          <p:nvPr/>
-        </p:nvPicPr>
-        <p:blipFill>
-          <a:blip r:embed="rId1"/>
-          <a:stretch>
-            <a:fillRect/>
-          </a:stretch>
-        </p:blipFill>
-        <p:spPr>
-          <a:xfrm>
-            <a:off x="73660" y="1519555"/>
-            <a:ext cx="5873115" cy="4117975"/>
-          </a:xfrm>
-          <a:prstGeom prst="rect">
-            <a:avLst/>
-          </a:prstGeom>
-        </p:spPr>
-      </p:pic>
-      <p:pic>
-        <p:nvPicPr>
-          <p:cNvPr id="10" name="Picture 9"/>
-          <p:cNvPicPr>
-            <a:picLocks noChangeAspect="1"/>
-          </p:cNvPicPr>
-          <p:nvPr/>
-        </p:nvPicPr>
-        <p:blipFill>
-          <a:blip r:embed="rId2"/>
-          <a:stretch>
-            <a:fillRect/>
-          </a:stretch>
-        </p:blipFill>
-        <p:spPr>
-          <a:xfrm>
-            <a:off x="6049645" y="1670050"/>
-            <a:ext cx="6142355" cy="3906520"/>
-          </a:xfrm>
-          <a:prstGeom prst="rect">
-            <a:avLst/>
-          </a:prstGeom>
-        </p:spPr>
-      </p:pic>
-    </p:spTree>
-  </p:cSld>
-  <p:clrMapOvr>
-    <a:masterClrMapping/>
-  </p:clrMapOvr>
-  <mc:AlternateContent xmlns:mc="http://schemas.openxmlformats.org/markup-compatibility/2006">
-    <mc:Choice xmlns:p14="http://schemas.microsoft.com/office/powerpoint/2010/main" Requires="p14">
-      <p:transition spd="slow" p14:dur="1000">
-        <p:wedge/>
-      </p:transition>
-    </mc:Choice>
-    <mc:Fallback>
-      <p:transition spd="slow">
-        <p:wedge/>
-      </p:transition>
-    </mc:Fallback>
-  </mc:AlternateContent>
-</p:sld>
-</file>
-
-<file path=ppt/slides/slide6.xml><?xml version="1.0" encoding="utf-8"?>
-<p:sld xmlns:a="http://schemas.openxmlformats.org/drawingml/2006/main" xmlns:r="http://schemas.openxmlformats.org/officeDocument/2006/relationships" xmlns:p="http://schemas.openxmlformats.org/presentationml/2006/main">
-  <p:cSld>
-    <p:spTree>
-      <p:nvGrpSpPr>
-        <p:cNvPr id="1" name=""/>
-        <p:cNvGrpSpPr/>
-        <p:nvPr/>
-      </p:nvGrpSpPr>
-      <p:grpSpPr>
-        <a:xfrm>
-          <a:off x="0" y="0"/>
-          <a:ext cx="0" cy="0"/>
-          <a:chOff x="0" y="0"/>
-          <a:chExt cx="0" cy="0"/>
-        </a:xfrm>
-      </p:grpSpPr>
-      <p:sp>
-        <p:nvSpPr>
-          <p:cNvPr id="2" name="Title 1"/>
-          <p:cNvSpPr>
-            <a:spLocks noGrp="1"/>
-          </p:cNvSpPr>
-          <p:nvPr>
-            <p:ph type="ctrTitle"/>
-          </p:nvPr>
-        </p:nvSpPr>
-        <p:spPr>
-          <a:xfrm>
-            <a:off x="738293" y="-119697"/>
-            <a:ext cx="10363200" cy="1470025"/>
-          </a:xfrm>
-        </p:spPr>
-        <p:txBody>
-          <a:bodyPr>
-            <a:scene3d>
-              <a:camera prst="orthographicFront"/>
-              <a:lightRig rig="threePt" dir="t"/>
-            </a:scene3d>
-          </a:bodyPr>
-          <a:lstStyle/>
-          <a:p>
-            <a:r>
-              <a:rPr lang="en-IN" altLang="en-US" b="1" dirty="0">
-                <a:solidFill>
-                  <a:schemeClr val="tx1"/>
-                </a:solidFill>
-                <a:effectLst>
-                  <a:outerShdw blurRad="38100" dist="19050" dir="2700000" algn="tl" rotWithShape="0">
-                    <a:schemeClr val="dk1">
-                      <a:alpha val="40000"/>
-                    </a:schemeClr>
-                  </a:outerShdw>
-                </a:effectLst>
-              </a:rPr>
-              <a:t>Output</a:t>
-            </a:r>
-            <a:endParaRPr lang="en-IN" altLang="en-US" b="1" dirty="0">
-              <a:solidFill>
-                <a:schemeClr val="tx1"/>
-              </a:solidFill>
-              <a:effectLst>
-                <a:outerShdw blurRad="38100" dist="19050" dir="2700000" algn="tl" rotWithShape="0">
-                  <a:schemeClr val="dk1">
-                    <a:alpha val="40000"/>
-                  </a:schemeClr>
-                </a:outerShdw>
-              </a:effectLst>
-            </a:endParaRPr>
-          </a:p>
-        </p:txBody>
-      </p:sp>
-      <p:sp>
-        <p:nvSpPr>
-          <p:cNvPr id="7" name="Text Box 6"/>
-          <p:cNvSpPr txBox="1"/>
-          <p:nvPr/>
-        </p:nvSpPr>
-        <p:spPr>
-          <a:xfrm>
-            <a:off x="1009015" y="5882005"/>
-            <a:ext cx="3672205" cy="368300"/>
-          </a:xfrm>
-          <a:prstGeom prst="rect">
-            <a:avLst/>
-          </a:prstGeom>
-          <a:noFill/>
-        </p:spPr>
-        <p:txBody>
-          <a:bodyPr wrap="square" rtlCol="0" anchor="t">
-            <a:spAutoFit/>
-          </a:bodyPr>
-          <a:p>
-            <a:r>
-              <a:rPr lang="en-IN" altLang="en-US" b="1" dirty="0">
-                <a:solidFill>
-                  <a:srgbClr val="FF0000"/>
-                </a:solidFill>
-                <a:effectLst>
-                  <a:outerShdw blurRad="38100" dist="25400" dir="5400000" algn="ctr" rotWithShape="0">
-                    <a:srgbClr val="6E747A">
-                      <a:alpha val="43000"/>
-                    </a:srgbClr>
-                  </a:outerShdw>
-                </a:effectLst>
-                <a:sym typeface="+mn-ea"/>
-              </a:rPr>
-              <a:t>Gadget Component</a:t>
-            </a:r>
-            <a:endParaRPr lang="en-IN" altLang="en-US" b="1" dirty="0">
-              <a:solidFill>
-                <a:srgbClr val="FF0000"/>
-              </a:solidFill>
-              <a:effectLst>
-                <a:outerShdw blurRad="38100" dist="25400" dir="5400000" algn="ctr" rotWithShape="0">
-                  <a:srgbClr val="6E747A">
-                    <a:alpha val="43000"/>
-                  </a:srgbClr>
-                </a:outerShdw>
-              </a:effectLst>
-              <a:sym typeface="+mn-ea"/>
-            </a:endParaRPr>
-          </a:p>
-        </p:txBody>
-      </p:sp>
-      <p:sp>
-        <p:nvSpPr>
-          <p:cNvPr id="8" name="Text Box 7"/>
-          <p:cNvSpPr txBox="1"/>
-          <p:nvPr/>
-        </p:nvSpPr>
-        <p:spPr>
-          <a:xfrm>
-            <a:off x="6887845" y="5882005"/>
-            <a:ext cx="6096000" cy="368300"/>
-          </a:xfrm>
-          <a:prstGeom prst="rect">
-            <a:avLst/>
-          </a:prstGeom>
-          <a:noFill/>
-        </p:spPr>
-        <p:txBody>
-          <a:bodyPr wrap="square" rtlCol="0" anchor="t">
-            <a:spAutoFit/>
-          </a:bodyPr>
-          <a:p>
-            <a:r>
-              <a:rPr lang="en-IN" altLang="en-US" b="1" dirty="0">
-                <a:solidFill>
-                  <a:srgbClr val="FF0000"/>
-                </a:solidFill>
-                <a:effectLst>
-                  <a:outerShdw blurRad="38100" dist="19050" dir="2700000" algn="tl" rotWithShape="0">
-                    <a:schemeClr val="dk1">
-                      <a:alpha val="40000"/>
-                    </a:schemeClr>
-                  </a:outerShdw>
-                </a:effectLst>
-                <a:sym typeface="+mn-ea"/>
-              </a:rPr>
-              <a:t>Gadget-detail Component</a:t>
-            </a:r>
-            <a:endParaRPr lang="en-IN" altLang="en-US" b="1" dirty="0">
-              <a:solidFill>
-                <a:srgbClr val="FF0000"/>
-              </a:solidFill>
-              <a:effectLst>
-                <a:outerShdw blurRad="38100" dist="19050" dir="2700000" algn="tl" rotWithShape="0">
-                  <a:schemeClr val="dk1">
-                    <a:alpha val="40000"/>
-                  </a:schemeClr>
-                </a:outerShdw>
-              </a:effectLst>
-              <a:sym typeface="+mn-ea"/>
-            </a:endParaRPr>
-          </a:p>
-        </p:txBody>
-      </p:sp>
-      <p:pic>
-        <p:nvPicPr>
-          <p:cNvPr id="3" name="Picture 2"/>
-          <p:cNvPicPr>
-            <a:picLocks noChangeAspect="1"/>
-          </p:cNvPicPr>
-          <p:nvPr/>
-        </p:nvPicPr>
-        <p:blipFill>
-          <a:blip r:embed="rId1"/>
-          <a:stretch>
-            <a:fillRect/>
-          </a:stretch>
-        </p:blipFill>
-        <p:spPr>
-          <a:xfrm>
-            <a:off x="182880" y="1070610"/>
-            <a:ext cx="5784215" cy="4717415"/>
-          </a:xfrm>
-          <a:prstGeom prst="rect">
-            <a:avLst/>
-          </a:prstGeom>
-        </p:spPr>
-      </p:pic>
-      <p:pic>
-        <p:nvPicPr>
-          <p:cNvPr id="4" name="Picture 3"/>
-          <p:cNvPicPr>
-            <a:picLocks noChangeAspect="1"/>
-          </p:cNvPicPr>
-          <p:nvPr/>
-        </p:nvPicPr>
-        <p:blipFill>
-          <a:blip r:embed="rId2"/>
-          <a:stretch>
-            <a:fillRect/>
-          </a:stretch>
-        </p:blipFill>
-        <p:spPr>
-          <a:xfrm>
-            <a:off x="6240145" y="1028700"/>
-            <a:ext cx="5685790" cy="4800600"/>
-          </a:xfrm>
-          <a:prstGeom prst="rect">
-            <a:avLst/>
-          </a:prstGeom>
-        </p:spPr>
-      </p:pic>
-    </p:spTree>
-  </p:cSld>
-  <p:clrMapOvr>
-    <a:masterClrMapping/>
-  </p:clrMapOvr>
-  <mc:AlternateContent xmlns:mc="http://schemas.openxmlformats.org/markup-compatibility/2006">
-    <mc:Choice xmlns:p14="http://schemas.microsoft.com/office/powerpoint/2010/main" Requires="p14">
-      <p:transition spd="slow" p14:dur="1000">
-        <p:wedge/>
-      </p:transition>
-    </mc:Choice>
-    <mc:Fallback>
-      <p:transition spd="slow">
-        <p:wedge/>
-      </p:transition>
-    </mc:Fallback>
-  </mc:AlternateContent>
-</p:sld>
-</file>
-
-<file path=ppt/slides/slide7.xml><?xml version="1.0" encoding="utf-8"?>
-<p:sld xmlns:a="http://schemas.openxmlformats.org/drawingml/2006/main" xmlns:r="http://schemas.openxmlformats.org/officeDocument/2006/relationships" xmlns:p="http://schemas.openxmlformats.org/presentationml/2006/main">
-  <p:cSld>
-    <p:spTree>
-      <p:nvGrpSpPr>
-        <p:cNvPr id="1" name=""/>
-        <p:cNvGrpSpPr/>
-        <p:nvPr/>
-      </p:nvGrpSpPr>
-      <p:grpSpPr>
-        <a:xfrm>
-          <a:off x="0" y="0"/>
-          <a:ext cx="0" cy="0"/>
-          <a:chOff x="0" y="0"/>
-          <a:chExt cx="0" cy="0"/>
-        </a:xfrm>
-      </p:grpSpPr>
-      <p:sp>
-        <p:nvSpPr>
-          <p:cNvPr id="2" name="Title 1"/>
-          <p:cNvSpPr>
-            <a:spLocks noGrp="1"/>
-          </p:cNvSpPr>
-          <p:nvPr>
-            <p:ph type="ctrTitle"/>
-          </p:nvPr>
-        </p:nvSpPr>
-        <p:spPr>
-          <a:xfrm>
-            <a:off x="738293" y="-119697"/>
-            <a:ext cx="10363200" cy="1470025"/>
-          </a:xfrm>
-        </p:spPr>
-        <p:txBody>
-          <a:bodyPr>
-            <a:scene3d>
-              <a:camera prst="orthographicFront"/>
-              <a:lightRig rig="threePt" dir="t"/>
-            </a:scene3d>
-          </a:bodyPr>
-          <a:lstStyle/>
-          <a:p>
-            <a:r>
-              <a:rPr lang="en-IN" altLang="en-US" b="1" dirty="0">
-                <a:solidFill>
-                  <a:schemeClr val="tx1"/>
-                </a:solidFill>
-                <a:effectLst>
-                  <a:outerShdw blurRad="38100" dist="19050" dir="2700000" algn="tl" rotWithShape="0">
-                    <a:schemeClr val="dk1">
-                      <a:alpha val="40000"/>
-                    </a:schemeClr>
-                  </a:outerShdw>
-                </a:effectLst>
-              </a:rPr>
-              <a:t>Output</a:t>
-            </a:r>
-            <a:endParaRPr lang="en-IN" altLang="en-US" b="1" dirty="0">
-              <a:solidFill>
-                <a:schemeClr val="tx1"/>
-              </a:solidFill>
-              <a:effectLst>
-                <a:outerShdw blurRad="38100" dist="19050" dir="2700000" algn="tl" rotWithShape="0">
-                  <a:schemeClr val="dk1">
-                    <a:alpha val="40000"/>
-                  </a:schemeClr>
-                </a:outerShdw>
-              </a:effectLst>
-            </a:endParaRPr>
-          </a:p>
-        </p:txBody>
-      </p:sp>
-      <p:sp>
-        <p:nvSpPr>
-          <p:cNvPr id="7" name="Text Box 6"/>
-          <p:cNvSpPr txBox="1"/>
-          <p:nvPr/>
-        </p:nvSpPr>
-        <p:spPr>
-          <a:xfrm>
-            <a:off x="4084320" y="5958840"/>
-            <a:ext cx="3672205" cy="521970"/>
-          </a:xfrm>
-          <a:prstGeom prst="rect">
-            <a:avLst/>
-          </a:prstGeom>
-          <a:noFill/>
-        </p:spPr>
-        <p:txBody>
-          <a:bodyPr wrap="square" rtlCol="0" anchor="t">
-            <a:spAutoFit/>
-          </a:bodyPr>
-          <a:p>
-            <a:r>
-              <a:rPr lang="en-IN" altLang="en-US" sz="2800" b="1" dirty="0">
-                <a:solidFill>
-                  <a:srgbClr val="FF0000"/>
-                </a:solidFill>
-                <a:effectLst>
-                  <a:outerShdw blurRad="38100" dist="25400" dir="5400000" algn="ctr" rotWithShape="0">
-                    <a:srgbClr val="6E747A">
-                      <a:alpha val="43000"/>
-                    </a:srgbClr>
-                  </a:outerShdw>
-                </a:effectLst>
-                <a:sym typeface="+mn-ea"/>
-              </a:rPr>
-              <a:t>Gallery Component</a:t>
-            </a:r>
-            <a:endParaRPr lang="en-IN" altLang="en-US" sz="2800" b="1" dirty="0">
-              <a:solidFill>
-                <a:srgbClr val="FF0000"/>
-              </a:solidFill>
-              <a:effectLst>
-                <a:outerShdw blurRad="38100" dist="25400" dir="5400000" algn="ctr" rotWithShape="0">
-                  <a:srgbClr val="6E747A">
-                    <a:alpha val="43000"/>
-                  </a:srgbClr>
-                </a:outerShdw>
-              </a:effectLst>
-              <a:sym typeface="+mn-ea"/>
-            </a:endParaRPr>
-          </a:p>
-        </p:txBody>
-      </p:sp>
-      <p:pic>
-        <p:nvPicPr>
-          <p:cNvPr id="5" name="Picture 4"/>
-          <p:cNvPicPr>
-            <a:picLocks noChangeAspect="1"/>
-          </p:cNvPicPr>
-          <p:nvPr/>
-        </p:nvPicPr>
-        <p:blipFill>
-          <a:blip r:embed="rId1"/>
-          <a:stretch>
-            <a:fillRect/>
-          </a:stretch>
-        </p:blipFill>
-        <p:spPr>
-          <a:xfrm>
-            <a:off x="1595120" y="1244600"/>
-            <a:ext cx="9506585" cy="4802505"/>
-          </a:xfrm>
-          <a:prstGeom prst="rect">
-            <a:avLst/>
-          </a:prstGeom>
-        </p:spPr>
-      </p:pic>
-    </p:spTree>
-  </p:cSld>
-  <p:clrMapOvr>
-    <a:masterClrMapping/>
-  </p:clrMapOvr>
-  <mc:AlternateContent xmlns:mc="http://schemas.openxmlformats.org/markup-compatibility/2006">
-    <mc:Choice xmlns:p14="http://schemas.microsoft.com/office/powerpoint/2010/main" Requires="p14">
-      <p:transition spd="slow" p14:dur="1000">
-        <p:wedge/>
-      </p:transition>
-    </mc:Choice>
-    <mc:Fallback>
-      <p:transition spd="slow">
-        <p:wedge/>
-      </p:transition>
-    </mc:Fallback>
-  </mc:AlternateContent>
-</p:sld>
-</file>
-
-<file path=ppt/slides/slide8.xml><?xml version="1.0" encoding="utf-8"?>
 <p:sld xmlns:a="http://schemas.openxmlformats.org/drawingml/2006/main" xmlns:r="http://schemas.openxmlformats.org/officeDocument/2006/relationships" xmlns:p="http://schemas.openxmlformats.org/presentationml/2006/main">
   <p:cSld>
     <p:spTree>
